--- a/Bellabeat_Case_Study_Complete_Presentation (Orange)(1).pptx
+++ b/Bellabeat_Case_Study_Complete_Presentation (Orange)(1).pptx
@@ -11228,7 +11228,7 @@
           <a:p>
             <a:fld id="{5BCAD085-E8A6-8845-BD4E-CB4CCA059FC4}" type="datetimeFigureOut">
               <a:rPr lang="en-US" smtClean="0"/>
-              <a:t>1/4/25</a:t>
+              <a:t>1/6/25</a:t>
             </a:fld>
             <a:endParaRPr lang="en-US"/>
           </a:p>
@@ -12634,7 +12634,7 @@
           <a:p>
             <a:fld id="{5BCAD085-E8A6-8845-BD4E-CB4CCA059FC4}" type="datetimeFigureOut">
               <a:rPr lang="en-US" smtClean="0"/>
-              <a:t>1/4/25</a:t>
+              <a:t>1/6/25</a:t>
             </a:fld>
             <a:endParaRPr lang="en-US"/>
           </a:p>
@@ -14034,7 +14034,7 @@
           <a:p>
             <a:fld id="{5BCAD085-E8A6-8845-BD4E-CB4CCA059FC4}" type="datetimeFigureOut">
               <a:rPr lang="en-US" smtClean="0"/>
-              <a:t>1/4/25</a:t>
+              <a:t>1/6/25</a:t>
             </a:fld>
             <a:endParaRPr lang="en-US"/>
           </a:p>
@@ -15436,7 +15436,7 @@
           <a:p>
             <a:fld id="{5BCAD085-E8A6-8845-BD4E-CB4CCA059FC4}" type="datetimeFigureOut">
               <a:rPr lang="en-US" smtClean="0"/>
-              <a:t>1/4/25</a:t>
+              <a:t>1/6/25</a:t>
             </a:fld>
             <a:endParaRPr lang="en-US"/>
           </a:p>
@@ -16770,7 +16770,7 @@
           <a:p>
             <a:fld id="{5BCAD085-E8A6-8845-BD4E-CB4CCA059FC4}" type="datetimeFigureOut">
               <a:rPr lang="en-US" smtClean="0"/>
-              <a:t>1/4/25</a:t>
+              <a:t>1/6/25</a:t>
             </a:fld>
             <a:endParaRPr lang="en-US"/>
           </a:p>
@@ -18238,7 +18238,7 @@
           <a:p>
             <a:fld id="{5BCAD085-E8A6-8845-BD4E-CB4CCA059FC4}" type="datetimeFigureOut">
               <a:rPr lang="en-US" smtClean="0"/>
-              <a:t>1/4/25</a:t>
+              <a:t>1/6/25</a:t>
             </a:fld>
             <a:endParaRPr lang="en-US"/>
           </a:p>
@@ -19850,7 +19850,7 @@
           <a:p>
             <a:fld id="{5BCAD085-E8A6-8845-BD4E-CB4CCA059FC4}" type="datetimeFigureOut">
               <a:rPr lang="en-US" smtClean="0"/>
-              <a:t>1/4/25</a:t>
+              <a:t>1/6/25</a:t>
             </a:fld>
             <a:endParaRPr lang="en-US"/>
           </a:p>
@@ -21195,7 +21195,7 @@
           <a:p>
             <a:fld id="{5BCAD085-E8A6-8845-BD4E-CB4CCA059FC4}" type="datetimeFigureOut">
               <a:rPr lang="en-US" smtClean="0"/>
-              <a:t>1/4/25</a:t>
+              <a:t>1/6/25</a:t>
             </a:fld>
             <a:endParaRPr lang="en-US"/>
           </a:p>
@@ -21300,7 +21300,7 @@
           <a:p>
             <a:fld id="{5BCAD085-E8A6-8845-BD4E-CB4CCA059FC4}" type="datetimeFigureOut">
               <a:rPr lang="en-US" smtClean="0"/>
-              <a:t>1/4/25</a:t>
+              <a:t>1/6/25</a:t>
             </a:fld>
             <a:endParaRPr lang="en-US"/>
           </a:p>
@@ -22775,7 +22775,7 @@
           <a:p>
             <a:fld id="{5BCAD085-E8A6-8845-BD4E-CB4CCA059FC4}" type="datetimeFigureOut">
               <a:rPr lang="en-US" smtClean="0"/>
-              <a:t>1/4/25</a:t>
+              <a:t>1/6/25</a:t>
             </a:fld>
             <a:endParaRPr lang="en-US"/>
           </a:p>
@@ -24137,7 +24137,7 @@
           <a:p>
             <a:fld id="{5BCAD085-E8A6-8845-BD4E-CB4CCA059FC4}" type="datetimeFigureOut">
               <a:rPr lang="en-US" smtClean="0"/>
-              <a:t>1/4/25</a:t>
+              <a:t>1/6/25</a:t>
             </a:fld>
             <a:endParaRPr lang="en-US"/>
           </a:p>
@@ -24360,7 +24360,7 @@
           <a:p>
             <a:fld id="{5BCAD085-E8A6-8845-BD4E-CB4CCA059FC4}" type="datetimeFigureOut">
               <a:rPr lang="en-US" smtClean="0"/>
-              <a:t>1/4/25</a:t>
+              <a:t>1/6/25</a:t>
             </a:fld>
             <a:endParaRPr lang="en-US"/>
           </a:p>
@@ -25465,12 +25465,20 @@
           <a:p>
             <a:pPr algn="r"/>
             <a:r>
+              <a:rPr lang="en-US" sz="3600" dirty="0">
+                <a:solidFill>
+                  <a:schemeClr val="tx1"/>
+                </a:solidFill>
+              </a:rPr>
+              <a:t>Conclusion</a:t>
+            </a:r>
+            <a:r>
               <a:rPr lang="en-US" sz="2400" dirty="0">
                 <a:solidFill>
                   <a:schemeClr val="tx1"/>
                 </a:solidFill>
               </a:rPr>
-              <a:t>Conclusion </a:t>
+              <a:t> </a:t>
             </a:r>
             <a:br>
               <a:rPr lang="en-US" sz="2400" dirty="0">
@@ -25479,30 +25487,6 @@
                 </a:solidFill>
               </a:rPr>
             </a:br>
-            <a:r>
-              <a:rPr lang="en-US" sz="2400" dirty="0">
-                <a:solidFill>
-                  <a:schemeClr val="tx1"/>
-                </a:solidFill>
-              </a:rPr>
-              <a:t>and </a:t>
-            </a:r>
-            <a:br>
-              <a:rPr lang="en-US" sz="2400" dirty="0">
-                <a:solidFill>
-                  <a:schemeClr val="tx1"/>
-                </a:solidFill>
-              </a:rPr>
-            </a:br>
-            <a:r>
-              <a:rPr lang="en-US" sz="2400" b="1" i="0" u="none" strike="noStrike" dirty="0">
-                <a:solidFill>
-                  <a:srgbClr val="000000"/>
-                </a:solidFill>
-                <a:effectLst/>
-              </a:rPr>
-              <a:t>Recommendations</a:t>
-            </a:r>
             <a:endParaRPr lang="en-US" sz="2400" dirty="0">
               <a:solidFill>
                 <a:schemeClr val="tx1"/>
